--- a/Doc/01_TaiLieuThamKhao/TaiLieuThamKhao4.pptx
+++ b/Doc/01_TaiLieuThamKhao/TaiLieuThamKhao4.pptx
@@ -5,13 +5,14 @@
     <p:sldMasterId id="2147483648" r:id="rId1"/>
   </p:sldMasterIdLst>
   <p:notesMasterIdLst>
-    <p:notesMasterId r:id="rId6"/>
+    <p:notesMasterId r:id="rId7"/>
   </p:notesMasterIdLst>
   <p:sldIdLst>
     <p:sldId id="256" r:id="rId2"/>
     <p:sldId id="260" r:id="rId3"/>
     <p:sldId id="261" r:id="rId4"/>
     <p:sldId id="262" r:id="rId5"/>
+    <p:sldId id="263" r:id="rId6"/>
   </p:sldIdLst>
   <p:sldSz cx="9144000" cy="6858000" type="screen4x3"/>
   <p:notesSz cx="7102475" cy="10234613"/>
@@ -767,6 +768,117 @@
     <p:extLst>
       <p:ext uri="{BB962C8B-B14F-4D97-AF65-F5344CB8AC3E}">
         <p14:creationId xmlns:p14="http://schemas.microsoft.com/office/powerpoint/2010/main" val="4086602134"/>
+      </p:ext>
+    </p:extLst>
+  </p:cSld>
+  <p:clrMapOvr>
+    <a:masterClrMapping/>
+  </p:clrMapOvr>
+</p:notes>
+</file>
+
+<file path=ppt/notesSlides/notesSlide5.xml><?xml version="1.0" encoding="utf-8"?>
+<p:notes xmlns:a="http://schemas.openxmlformats.org/drawingml/2006/main" xmlns:r="http://schemas.openxmlformats.org/officeDocument/2006/relationships" xmlns:p="http://schemas.openxmlformats.org/presentationml/2006/main">
+  <p:cSld>
+    <p:spTree>
+      <p:nvGrpSpPr>
+        <p:cNvPr id="1" name=""/>
+        <p:cNvGrpSpPr/>
+        <p:nvPr/>
+      </p:nvGrpSpPr>
+      <p:grpSpPr>
+        <a:xfrm>
+          <a:off x="0" y="0"/>
+          <a:ext cx="0" cy="0"/>
+          <a:chOff x="0" y="0"/>
+          <a:chExt cx="0" cy="0"/>
+        </a:xfrm>
+      </p:grpSpPr>
+      <p:sp>
+        <p:nvSpPr>
+          <p:cNvPr id="155" name="PlaceHolder 1"/>
+          <p:cNvSpPr>
+            <a:spLocks noGrp="1" noRot="1" noChangeAspect="1"/>
+          </p:cNvSpPr>
+          <p:nvPr>
+            <p:ph type="sldImg"/>
+          </p:nvPr>
+        </p:nvSpPr>
+        <p:spPr>
+          <a:xfrm>
+            <a:off x="993775" y="768350"/>
+            <a:ext cx="5113338" cy="3835400"/>
+          </a:xfrm>
+          <a:prstGeom prst="rect">
+            <a:avLst/>
+          </a:prstGeom>
+        </p:spPr>
+      </p:sp>
+      <p:sp>
+        <p:nvSpPr>
+          <p:cNvPr id="156" name="PlaceHolder 2"/>
+          <p:cNvSpPr>
+            <a:spLocks noGrp="1"/>
+          </p:cNvSpPr>
+          <p:nvPr>
+            <p:ph type="body"/>
+          </p:nvPr>
+        </p:nvSpPr>
+        <p:spPr>
+          <a:xfrm>
+            <a:off x="709560" y="4861080"/>
+            <a:ext cx="5680800" cy="4602960"/>
+          </a:xfrm>
+          <a:prstGeom prst="rect">
+            <a:avLst/>
+          </a:prstGeom>
+        </p:spPr>
+        <p:txBody>
+          <a:bodyPr lIns="99000" tIns="49680" rIns="99000" bIns="49680"/>
+          <a:lstStyle/>
+          <a:p>
+            <a:endParaRPr lang="en-US" sz="2000" b="0" strike="noStrike" spc="-1">
+              <a:latin typeface="Arial"/>
+            </a:endParaRPr>
+          </a:p>
+        </p:txBody>
+      </p:sp>
+      <p:sp>
+        <p:nvSpPr>
+          <p:cNvPr id="157" name="CustomShape 3"/>
+          <p:cNvSpPr/>
+          <p:nvPr/>
+        </p:nvSpPr>
+        <p:spPr>
+          <a:xfrm>
+            <a:off x="4022640" y="9721800"/>
+            <a:ext cx="3075480" cy="508680"/>
+          </a:xfrm>
+          <a:prstGeom prst="rect">
+            <a:avLst/>
+          </a:prstGeom>
+          <a:noFill/>
+          <a:ln>
+            <a:noFill/>
+          </a:ln>
+        </p:spPr>
+        <p:style>
+          <a:lnRef idx="0">
+            <a:srgbClr val="FFFFFF"/>
+          </a:lnRef>
+          <a:fillRef idx="0">
+            <a:srgbClr val="FFFFFF"/>
+          </a:fillRef>
+          <a:effectRef idx="0">
+            <a:srgbClr val="FFFFFF"/>
+          </a:effectRef>
+          <a:fontRef idx="minor"/>
+        </p:style>
+      </p:sp>
+    </p:spTree>
+    <p:extLst>
+      <p:ext uri="{BB962C8B-B14F-4D97-AF65-F5344CB8AC3E}">
+        <p14:creationId xmlns:p14="http://schemas.microsoft.com/office/powerpoint/2010/main" val="874540227"/>
       </p:ext>
     </p:extLst>
   </p:cSld>
@@ -4085,213 +4197,6 @@
           </a:p>
         </p:txBody>
       </p:sp>
-      <p:sp>
-        <p:nvSpPr>
-          <p:cNvPr id="10" name="吹き出し: 角を丸めた四角形 9">
-            <a:extLst>
-              <a:ext uri="{FF2B5EF4-FFF2-40B4-BE49-F238E27FC236}">
-                <a16:creationId xmlns:a16="http://schemas.microsoft.com/office/drawing/2014/main" id="{31ED0E47-863A-4824-B6F7-E4640B5290D6}"/>
-              </a:ext>
-            </a:extLst>
-          </p:cNvPr>
-          <p:cNvSpPr/>
-          <p:nvPr/>
-        </p:nvSpPr>
-        <p:spPr>
-          <a:xfrm>
-            <a:off x="3990974" y="3248025"/>
-            <a:ext cx="5150505" cy="1034555"/>
-          </a:xfrm>
-          <a:prstGeom prst="wedgeRoundRectCallout">
-            <a:avLst>
-              <a:gd name="adj1" fmla="val -72691"/>
-              <a:gd name="adj2" fmla="val 41324"/>
-              <a:gd name="adj3" fmla="val 16667"/>
-            </a:avLst>
-          </a:prstGeom>
-        </p:spPr>
-        <p:style>
-          <a:lnRef idx="2">
-            <a:schemeClr val="accent1"/>
-          </a:lnRef>
-          <a:fillRef idx="1">
-            <a:schemeClr val="lt1"/>
-          </a:fillRef>
-          <a:effectRef idx="0">
-            <a:schemeClr val="accent1"/>
-          </a:effectRef>
-          <a:fontRef idx="minor">
-            <a:schemeClr val="dk1"/>
-          </a:fontRef>
-        </p:style>
-        <p:txBody>
-          <a:bodyPr rtlCol="0" anchor="ctr"/>
-          <a:lstStyle/>
-          <a:p>
-            <a:pPr algn="ctr"/>
-            <a:r>
-              <a:rPr kumimoji="1" lang="en-US" altLang="ja-JP" dirty="0" err="1"/>
-              <a:t>Hiện</a:t>
-            </a:r>
-            <a:r>
-              <a:rPr kumimoji="1" lang="en-US" altLang="ja-JP" dirty="0"/>
-              <a:t> </a:t>
-            </a:r>
-            <a:r>
-              <a:rPr kumimoji="1" lang="en-US" altLang="ja-JP" dirty="0" err="1"/>
-              <a:t>tại</a:t>
-            </a:r>
-            <a:r>
-              <a:rPr kumimoji="1" lang="en-US" altLang="ja-JP" dirty="0"/>
-              <a:t> </a:t>
-            </a:r>
-            <a:r>
-              <a:rPr kumimoji="1" lang="en-US" altLang="ja-JP" dirty="0" err="1"/>
-              <a:t>dùng</a:t>
-            </a:r>
-            <a:r>
-              <a:rPr kumimoji="1" lang="en-US" altLang="ja-JP" dirty="0"/>
-              <a:t> trained </a:t>
-            </a:r>
-            <a:r>
-              <a:rPr kumimoji="1" lang="en-US" altLang="ja-JP" dirty="0" err="1"/>
-              <a:t>facenet</a:t>
-            </a:r>
-            <a:r>
-              <a:rPr kumimoji="1" lang="en-US" altLang="ja-JP" dirty="0"/>
-              <a:t> version 2018</a:t>
-            </a:r>
-          </a:p>
-          <a:p>
-            <a:pPr algn="ctr"/>
-            <a:r>
-              <a:rPr kumimoji="1" lang="en-US" altLang="ja-JP" dirty="0"/>
-              <a:t>https://github.com/davidsandberg/facenet</a:t>
-            </a:r>
-            <a:endParaRPr kumimoji="1" lang="ja-JP" altLang="en-US" dirty="0"/>
-          </a:p>
-          <a:p>
-            <a:pPr algn="ctr"/>
-            <a:endParaRPr kumimoji="1" lang="ja-JP" altLang="en-US" dirty="0"/>
-          </a:p>
-        </p:txBody>
-      </p:sp>
-      <p:sp>
-        <p:nvSpPr>
-          <p:cNvPr id="71" name="吹き出し: 角を丸めた四角形 70">
-            <a:extLst>
-              <a:ext uri="{FF2B5EF4-FFF2-40B4-BE49-F238E27FC236}">
-                <a16:creationId xmlns:a16="http://schemas.microsoft.com/office/drawing/2014/main" id="{25374EA9-330E-406A-9A1F-E534D71DA73D}"/>
-              </a:ext>
-            </a:extLst>
-          </p:cNvPr>
-          <p:cNvSpPr/>
-          <p:nvPr/>
-        </p:nvSpPr>
-        <p:spPr>
-          <a:xfrm>
-            <a:off x="4065695" y="5433492"/>
-            <a:ext cx="4249629" cy="821605"/>
-          </a:xfrm>
-          <a:prstGeom prst="wedgeRoundRectCallout">
-            <a:avLst>
-              <a:gd name="adj1" fmla="val -100530"/>
-              <a:gd name="adj2" fmla="val -30245"/>
-              <a:gd name="adj3" fmla="val 16667"/>
-            </a:avLst>
-          </a:prstGeom>
-        </p:spPr>
-        <p:style>
-          <a:lnRef idx="2">
-            <a:schemeClr val="accent1"/>
-          </a:lnRef>
-          <a:fillRef idx="1">
-            <a:schemeClr val="lt1"/>
-          </a:fillRef>
-          <a:effectRef idx="0">
-            <a:schemeClr val="accent1"/>
-          </a:effectRef>
-          <a:fontRef idx="minor">
-            <a:schemeClr val="dk1"/>
-          </a:fontRef>
-        </p:style>
-        <p:txBody>
-          <a:bodyPr rtlCol="0" anchor="ctr"/>
-          <a:lstStyle/>
-          <a:p>
-            <a:pPr algn="ctr"/>
-            <a:r>
-              <a:rPr kumimoji="1" lang="en-US" altLang="ja-JP" dirty="0"/>
-              <a:t>So </a:t>
-            </a:r>
-            <a:r>
-              <a:rPr kumimoji="1" lang="en-US" altLang="ja-JP" dirty="0" err="1"/>
-              <a:t>sánh</a:t>
-            </a:r>
-            <a:r>
-              <a:rPr kumimoji="1" lang="en-US" altLang="ja-JP" dirty="0"/>
-              <a:t> </a:t>
-            </a:r>
-            <a:r>
-              <a:rPr kumimoji="1" lang="en-US" altLang="ja-JP" dirty="0" err="1"/>
-              <a:t>với</a:t>
-            </a:r>
-            <a:r>
-              <a:rPr kumimoji="1" lang="en-US" altLang="ja-JP" dirty="0"/>
-              <a:t> </a:t>
-            </a:r>
-            <a:r>
-              <a:rPr kumimoji="1" lang="en-US" altLang="ja-JP" dirty="0" err="1"/>
-              <a:t>các</a:t>
-            </a:r>
-            <a:r>
-              <a:rPr kumimoji="1" lang="en-US" altLang="ja-JP" dirty="0"/>
-              <a:t> encode </a:t>
-            </a:r>
-            <a:r>
-              <a:rPr kumimoji="1" lang="en-US" altLang="ja-JP" dirty="0" err="1"/>
-              <a:t>khác</a:t>
-            </a:r>
-            <a:r>
-              <a:rPr kumimoji="1" lang="en-US" altLang="ja-JP" dirty="0"/>
-              <a:t> </a:t>
-            </a:r>
-            <a:r>
-              <a:rPr kumimoji="1" lang="en-US" altLang="ja-JP" dirty="0" err="1"/>
-              <a:t>và</a:t>
-            </a:r>
-            <a:r>
-              <a:rPr kumimoji="1" lang="en-US" altLang="ja-JP" dirty="0"/>
-              <a:t> </a:t>
-            </a:r>
-            <a:r>
-              <a:rPr kumimoji="1" lang="en-US" altLang="ja-JP" dirty="0" err="1"/>
-              <a:t>tìm</a:t>
-            </a:r>
-            <a:r>
-              <a:rPr kumimoji="1" lang="en-US" altLang="ja-JP" dirty="0"/>
-              <a:t> encode </a:t>
-            </a:r>
-            <a:r>
-              <a:rPr kumimoji="1" lang="en-US" altLang="ja-JP" dirty="0" err="1"/>
-              <a:t>gần</a:t>
-            </a:r>
-            <a:r>
-              <a:rPr kumimoji="1" lang="en-US" altLang="ja-JP" dirty="0"/>
-              <a:t> </a:t>
-            </a:r>
-            <a:r>
-              <a:rPr kumimoji="1" lang="en-US" altLang="ja-JP" dirty="0" err="1"/>
-              <a:t>nhất</a:t>
-            </a:r>
-            <a:r>
-              <a:rPr kumimoji="1" lang="en-US" altLang="ja-JP" dirty="0"/>
-              <a:t> </a:t>
-            </a:r>
-            <a:endParaRPr kumimoji="1" lang="ja-JP" altLang="en-US" dirty="0"/>
-          </a:p>
-        </p:txBody>
-      </p:sp>
     </p:spTree>
   </p:cSld>
   <p:clrMapOvr>
@@ -4963,12 +4868,12 @@
         </p:nvSpPr>
         <p:spPr>
           <a:xfrm>
-            <a:off x="3977828" y="1341820"/>
-            <a:ext cx="4918522" cy="2210390"/>
+            <a:off x="3820131" y="1040772"/>
+            <a:ext cx="5076219" cy="2511438"/>
           </a:xfrm>
           <a:prstGeom prst="wedgeRoundRectCallout">
             <a:avLst>
-              <a:gd name="adj1" fmla="val -72506"/>
+              <a:gd name="adj1" fmla="val -69708"/>
               <a:gd name="adj2" fmla="val -28054"/>
               <a:gd name="adj3" fmla="val 16667"/>
             </a:avLst>
@@ -5126,7 +5031,7 @@
             </a:r>
             <a:r>
               <a:rPr kumimoji="1" lang="en-US" altLang="ja-JP" dirty="0"/>
-              <a:t> </a:t>
+              <a:t> (transfer learning)</a:t>
             </a:r>
             <a:endParaRPr kumimoji="1" lang="ja-JP" altLang="en-US" dirty="0"/>
           </a:p>
@@ -5150,13 +5055,13 @@
         </p:nvSpPr>
         <p:spPr>
           <a:xfrm>
-            <a:off x="3820131" y="3997362"/>
-            <a:ext cx="4249629" cy="2511438"/>
+            <a:off x="3820131" y="3762845"/>
+            <a:ext cx="4249629" cy="2745955"/>
           </a:xfrm>
           <a:prstGeom prst="wedgeRoundRectCallout">
             <a:avLst>
-              <a:gd name="adj1" fmla="val -74485"/>
-              <a:gd name="adj2" fmla="val -38981"/>
+              <a:gd name="adj1" fmla="val -74067"/>
+              <a:gd name="adj2" fmla="val -33808"/>
               <a:gd name="adj3" fmla="val 16667"/>
             </a:avLst>
           </a:prstGeom>
@@ -5306,7 +5211,7 @@
             </a:r>
             <a:r>
               <a:rPr kumimoji="1" lang="en-US" altLang="ja-JP" dirty="0"/>
-              <a:t> </a:t>
+              <a:t>(support vector machine) </a:t>
             </a:r>
             <a:r>
               <a:rPr kumimoji="1" lang="en-US" altLang="ja-JP" dirty="0" err="1"/>
@@ -6087,6 +5992,526 @@
     <p:extLst>
       <p:ext uri="{BB962C8B-B14F-4D97-AF65-F5344CB8AC3E}">
         <p14:creationId xmlns:p14="http://schemas.microsoft.com/office/powerpoint/2010/main" val="3484465769"/>
+      </p:ext>
+    </p:extLst>
+  </p:cSld>
+  <p:clrMapOvr>
+    <a:masterClrMapping/>
+  </p:clrMapOvr>
+</p:sld>
+</file>
+
+<file path=ppt/slides/slide5.xml><?xml version="1.0" encoding="utf-8"?>
+<p:sld xmlns:a="http://schemas.openxmlformats.org/drawingml/2006/main" xmlns:r="http://schemas.openxmlformats.org/officeDocument/2006/relationships" xmlns:p="http://schemas.openxmlformats.org/presentationml/2006/main">
+  <p:cSld>
+    <p:spTree>
+      <p:nvGrpSpPr>
+        <p:cNvPr id="1" name=""/>
+        <p:cNvGrpSpPr/>
+        <p:nvPr/>
+      </p:nvGrpSpPr>
+      <p:grpSpPr>
+        <a:xfrm>
+          <a:off x="0" y="0"/>
+          <a:ext cx="0" cy="0"/>
+          <a:chOff x="0" y="0"/>
+          <a:chExt cx="0" cy="0"/>
+        </a:xfrm>
+      </p:grpSpPr>
+      <p:sp>
+        <p:nvSpPr>
+          <p:cNvPr id="59" name="CustomShape 1"/>
+          <p:cNvSpPr/>
+          <p:nvPr/>
+        </p:nvSpPr>
+        <p:spPr>
+          <a:xfrm>
+            <a:off x="0" y="739800"/>
+            <a:ext cx="8069760" cy="48240"/>
+          </a:xfrm>
+          <a:prstGeom prst="rect">
+            <a:avLst/>
+          </a:prstGeom>
+          <a:solidFill>
+            <a:srgbClr val="BEC2CD"/>
+          </a:solidFill>
+          <a:ln>
+            <a:noFill/>
+          </a:ln>
+        </p:spPr>
+        <p:style>
+          <a:lnRef idx="2">
+            <a:schemeClr val="accent1">
+              <a:shade val="50000"/>
+            </a:schemeClr>
+          </a:lnRef>
+          <a:fillRef idx="1">
+            <a:schemeClr val="accent1"/>
+          </a:fillRef>
+          <a:effectRef idx="0">
+            <a:schemeClr val="accent1"/>
+          </a:effectRef>
+          <a:fontRef idx="minor"/>
+        </p:style>
+      </p:sp>
+      <p:sp>
+        <p:nvSpPr>
+          <p:cNvPr id="60" name="CustomShape 2"/>
+          <p:cNvSpPr/>
+          <p:nvPr/>
+        </p:nvSpPr>
+        <p:spPr>
+          <a:xfrm>
+            <a:off x="0" y="0"/>
+            <a:ext cx="9141480" cy="140400"/>
+          </a:xfrm>
+          <a:prstGeom prst="rect">
+            <a:avLst/>
+          </a:prstGeom>
+          <a:solidFill>
+            <a:srgbClr val="106A85"/>
+          </a:solidFill>
+          <a:ln>
+            <a:noFill/>
+          </a:ln>
+        </p:spPr>
+        <p:style>
+          <a:lnRef idx="2">
+            <a:schemeClr val="accent1">
+              <a:shade val="50000"/>
+            </a:schemeClr>
+          </a:lnRef>
+          <a:fillRef idx="1">
+            <a:schemeClr val="accent1"/>
+          </a:fillRef>
+          <a:effectRef idx="0">
+            <a:schemeClr val="accent1"/>
+          </a:effectRef>
+          <a:fontRef idx="minor"/>
+        </p:style>
+      </p:sp>
+      <p:sp>
+        <p:nvSpPr>
+          <p:cNvPr id="61" name="CustomShape 3"/>
+          <p:cNvSpPr/>
+          <p:nvPr/>
+        </p:nvSpPr>
+        <p:spPr>
+          <a:xfrm>
+            <a:off x="0" y="6561000"/>
+            <a:ext cx="9141480" cy="283320"/>
+          </a:xfrm>
+          <a:prstGeom prst="rect">
+            <a:avLst/>
+          </a:prstGeom>
+          <a:solidFill>
+            <a:srgbClr val="106A85"/>
+          </a:solidFill>
+          <a:ln>
+            <a:noFill/>
+          </a:ln>
+        </p:spPr>
+        <p:style>
+          <a:lnRef idx="2">
+            <a:schemeClr val="accent1">
+              <a:shade val="50000"/>
+            </a:schemeClr>
+          </a:lnRef>
+          <a:fillRef idx="1">
+            <a:schemeClr val="accent1"/>
+          </a:fillRef>
+          <a:effectRef idx="0">
+            <a:schemeClr val="accent1"/>
+          </a:effectRef>
+          <a:fontRef idx="minor"/>
+        </p:style>
+      </p:sp>
+      <p:sp>
+        <p:nvSpPr>
+          <p:cNvPr id="62" name="CustomShape 4"/>
+          <p:cNvSpPr/>
+          <p:nvPr/>
+        </p:nvSpPr>
+        <p:spPr>
+          <a:xfrm>
+            <a:off x="6553080" y="6534000"/>
+            <a:ext cx="2131200" cy="362520"/>
+          </a:xfrm>
+          <a:prstGeom prst="rect">
+            <a:avLst/>
+          </a:prstGeom>
+          <a:noFill/>
+          <a:ln>
+            <a:noFill/>
+          </a:ln>
+        </p:spPr>
+        <p:style>
+          <a:lnRef idx="0">
+            <a:srgbClr val="FFFFFF"/>
+          </a:lnRef>
+          <a:fillRef idx="0">
+            <a:srgbClr val="FFFFFF"/>
+          </a:fillRef>
+          <a:effectRef idx="0">
+            <a:srgbClr val="FFFFFF"/>
+          </a:effectRef>
+          <a:fontRef idx="minor"/>
+        </p:style>
+      </p:sp>
+      <p:sp>
+        <p:nvSpPr>
+          <p:cNvPr id="63" name="CustomShape 5"/>
+          <p:cNvSpPr/>
+          <p:nvPr/>
+        </p:nvSpPr>
+        <p:spPr>
+          <a:xfrm>
+            <a:off x="0" y="93600"/>
+            <a:ext cx="9141480" cy="59400"/>
+          </a:xfrm>
+          <a:prstGeom prst="rect">
+            <a:avLst/>
+          </a:prstGeom>
+          <a:solidFill>
+            <a:srgbClr val="F89926"/>
+          </a:solidFill>
+          <a:ln>
+            <a:noFill/>
+          </a:ln>
+        </p:spPr>
+        <p:style>
+          <a:lnRef idx="2">
+            <a:schemeClr val="accent1">
+              <a:shade val="50000"/>
+            </a:schemeClr>
+          </a:lnRef>
+          <a:fillRef idx="1">
+            <a:schemeClr val="accent1"/>
+          </a:fillRef>
+          <a:effectRef idx="0">
+            <a:schemeClr val="accent1"/>
+          </a:effectRef>
+          <a:fontRef idx="minor"/>
+        </p:style>
+      </p:sp>
+      <p:sp>
+        <p:nvSpPr>
+          <p:cNvPr id="64" name="CustomShape 6"/>
+          <p:cNvSpPr/>
+          <p:nvPr/>
+        </p:nvSpPr>
+        <p:spPr>
+          <a:xfrm>
+            <a:off x="256320" y="278280"/>
+            <a:ext cx="788400" cy="453960"/>
+          </a:xfrm>
+          <a:prstGeom prst="rect">
+            <a:avLst/>
+          </a:prstGeom>
+          <a:noFill/>
+          <a:ln>
+            <a:noFill/>
+          </a:ln>
+        </p:spPr>
+        <p:style>
+          <a:lnRef idx="0">
+            <a:srgbClr val="FFFFFF"/>
+          </a:lnRef>
+          <a:fillRef idx="0">
+            <a:srgbClr val="FFFFFF"/>
+          </a:fillRef>
+          <a:effectRef idx="0">
+            <a:srgbClr val="FFFFFF"/>
+          </a:effectRef>
+          <a:fontRef idx="minor"/>
+        </p:style>
+        <p:txBody>
+          <a:bodyPr wrap="none" lIns="90000" tIns="45000" rIns="90000" bIns="45000"/>
+          <a:lstStyle/>
+          <a:p>
+            <a:pPr>
+              <a:lnSpc>
+                <a:spcPct val="100000"/>
+              </a:lnSpc>
+              <a:spcBef>
+                <a:spcPts val="480"/>
+              </a:spcBef>
+            </a:pPr>
+            <a:r>
+              <a:rPr lang="en-US" sz="2400" spc="-1" dirty="0">
+                <a:solidFill>
+                  <a:srgbClr val="000000"/>
+                </a:solidFill>
+                <a:latin typeface="Meiryo UI"/>
+                <a:ea typeface="Meiryo UI"/>
+              </a:rPr>
+              <a:t>3</a:t>
+            </a:r>
+            <a:r>
+              <a:rPr lang="en-US" sz="2400" b="0" strike="noStrike" spc="-1" dirty="0">
+                <a:solidFill>
+                  <a:srgbClr val="000000"/>
+                </a:solidFill>
+                <a:latin typeface="Meiryo UI"/>
+                <a:ea typeface="Meiryo UI"/>
+              </a:rPr>
+              <a:t>. </a:t>
+            </a:r>
+            <a:r>
+              <a:rPr lang="en-US" sz="2400" spc="-1" dirty="0" err="1">
+                <a:solidFill>
+                  <a:srgbClr val="000000"/>
+                </a:solidFill>
+                <a:latin typeface="Meiryo UI"/>
+                <a:ea typeface="Meiryo UI"/>
+              </a:rPr>
+              <a:t>UnitTest</a:t>
+            </a:r>
+            <a:endParaRPr lang="en-US" sz="2400" b="0" strike="noStrike" spc="-1" dirty="0">
+              <a:latin typeface="Arial"/>
+            </a:endParaRPr>
+          </a:p>
+        </p:txBody>
+      </p:sp>
+      <p:sp>
+        <p:nvSpPr>
+          <p:cNvPr id="65" name="CustomShape 7"/>
+          <p:cNvSpPr/>
+          <p:nvPr/>
+        </p:nvSpPr>
+        <p:spPr>
+          <a:xfrm>
+            <a:off x="155520" y="-144360"/>
+            <a:ext cx="302400" cy="302400"/>
+          </a:xfrm>
+          <a:prstGeom prst="rect">
+            <a:avLst/>
+          </a:prstGeom>
+          <a:noFill/>
+          <a:ln>
+            <a:noFill/>
+          </a:ln>
+        </p:spPr>
+        <p:style>
+          <a:lnRef idx="0">
+            <a:srgbClr val="FFFFFF"/>
+          </a:lnRef>
+          <a:fillRef idx="0">
+            <a:srgbClr val="FFFFFF"/>
+          </a:fillRef>
+          <a:effectRef idx="0">
+            <a:srgbClr val="FFFFFF"/>
+          </a:effectRef>
+          <a:fontRef idx="minor"/>
+        </p:style>
+      </p:sp>
+      <p:sp>
+        <p:nvSpPr>
+          <p:cNvPr id="66" name="CustomShape 8"/>
+          <p:cNvSpPr/>
+          <p:nvPr/>
+        </p:nvSpPr>
+        <p:spPr>
+          <a:xfrm>
+            <a:off x="155520" y="-144360"/>
+            <a:ext cx="302400" cy="302400"/>
+          </a:xfrm>
+          <a:prstGeom prst="rect">
+            <a:avLst/>
+          </a:prstGeom>
+          <a:noFill/>
+          <a:ln>
+            <a:noFill/>
+          </a:ln>
+        </p:spPr>
+        <p:style>
+          <a:lnRef idx="0">
+            <a:srgbClr val="FFFFFF"/>
+          </a:lnRef>
+          <a:fillRef idx="0">
+            <a:srgbClr val="FFFFFF"/>
+          </a:fillRef>
+          <a:effectRef idx="0">
+            <a:srgbClr val="FFFFFF"/>
+          </a:effectRef>
+          <a:fontRef idx="minor"/>
+        </p:style>
+      </p:sp>
+      <p:sp>
+        <p:nvSpPr>
+          <p:cNvPr id="13" name="CustomShape 1"/>
+          <p:cNvSpPr/>
+          <p:nvPr/>
+        </p:nvSpPr>
+        <p:spPr>
+          <a:xfrm>
+            <a:off x="3484880" y="732815"/>
+            <a:ext cx="8069760" cy="48240"/>
+          </a:xfrm>
+          <a:prstGeom prst="rect">
+            <a:avLst/>
+          </a:prstGeom>
+          <a:solidFill>
+            <a:srgbClr val="BEC2CD"/>
+          </a:solidFill>
+          <a:ln>
+            <a:noFill/>
+          </a:ln>
+        </p:spPr>
+        <p:style>
+          <a:lnRef idx="2">
+            <a:schemeClr val="accent1">
+              <a:shade val="50000"/>
+            </a:schemeClr>
+          </a:lnRef>
+          <a:fillRef idx="1">
+            <a:schemeClr val="accent1"/>
+          </a:fillRef>
+          <a:effectRef idx="0">
+            <a:schemeClr val="accent1"/>
+          </a:effectRef>
+          <a:fontRef idx="minor"/>
+        </p:style>
+      </p:sp>
+      <p:sp>
+        <p:nvSpPr>
+          <p:cNvPr id="3" name="テキスト ボックス 2">
+            <a:extLst>
+              <a:ext uri="{FF2B5EF4-FFF2-40B4-BE49-F238E27FC236}">
+                <a16:creationId xmlns:a16="http://schemas.microsoft.com/office/drawing/2014/main" id="{CDC2FF55-819B-4F76-A4C2-0E505A4DB368}"/>
+              </a:ext>
+            </a:extLst>
+          </p:cNvPr>
+          <p:cNvSpPr txBox="1"/>
+          <p:nvPr/>
+        </p:nvSpPr>
+        <p:spPr>
+          <a:xfrm>
+            <a:off x="457920" y="1145219"/>
+            <a:ext cx="5490119" cy="2862322"/>
+          </a:xfrm>
+          <a:prstGeom prst="rect">
+            <a:avLst/>
+          </a:prstGeom>
+          <a:noFill/>
+        </p:spPr>
+        <p:txBody>
+          <a:bodyPr wrap="square" rtlCol="0">
+            <a:spAutoFit/>
+          </a:bodyPr>
+          <a:lstStyle/>
+          <a:p>
+            <a:pPr marL="342900" indent="-342900">
+              <a:buFont typeface="+mj-lt"/>
+              <a:buAutoNum type="arabicPeriod"/>
+            </a:pPr>
+            <a:r>
+              <a:rPr kumimoji="1" lang="en-US" altLang="ja-JP" dirty="0"/>
+              <a:t>AAA Framework</a:t>
+            </a:r>
+          </a:p>
+          <a:p>
+            <a:pPr marL="800100" lvl="1" indent="-342900">
+              <a:buFont typeface="+mj-lt"/>
+              <a:buAutoNum type="arabicPeriod"/>
+            </a:pPr>
+            <a:r>
+              <a:rPr kumimoji="1" lang="en-US" altLang="ja-JP" dirty="0"/>
+              <a:t>Arrange</a:t>
+            </a:r>
+          </a:p>
+          <a:p>
+            <a:pPr marL="800100" lvl="1" indent="-342900">
+              <a:buFont typeface="+mj-lt"/>
+              <a:buAutoNum type="arabicPeriod"/>
+            </a:pPr>
+            <a:r>
+              <a:rPr kumimoji="1" lang="en-US" altLang="ja-JP" dirty="0"/>
+              <a:t>Action</a:t>
+            </a:r>
+          </a:p>
+          <a:p>
+            <a:pPr marL="800100" lvl="1" indent="-342900">
+              <a:buFont typeface="+mj-lt"/>
+              <a:buAutoNum type="arabicPeriod"/>
+            </a:pPr>
+            <a:r>
+              <a:rPr kumimoji="1" lang="en-US" altLang="ja-JP" dirty="0"/>
+              <a:t>Assert</a:t>
+            </a:r>
+          </a:p>
+          <a:p>
+            <a:pPr marL="342900" indent="-342900">
+              <a:buFont typeface="+mj-lt"/>
+              <a:buAutoNum type="arabicPeriod"/>
+            </a:pPr>
+            <a:r>
+              <a:rPr kumimoji="1" lang="en-US" altLang="ja-JP" dirty="0" err="1"/>
+              <a:t>Câu</a:t>
+            </a:r>
+            <a:r>
+              <a:rPr kumimoji="1" lang="en-US" altLang="ja-JP" dirty="0"/>
+              <a:t> </a:t>
+            </a:r>
+            <a:r>
+              <a:rPr kumimoji="1" lang="en-US" altLang="ja-JP" dirty="0" err="1"/>
+              <a:t>lênh</a:t>
+            </a:r>
+            <a:endParaRPr kumimoji="1" lang="en-US" altLang="ja-JP" dirty="0"/>
+          </a:p>
+          <a:p>
+            <a:pPr marL="800100" lvl="1" indent="-342900">
+              <a:buFont typeface="+mj-lt"/>
+              <a:buAutoNum type="arabicPeriod"/>
+            </a:pPr>
+            <a:r>
+              <a:rPr kumimoji="1" lang="en-US" altLang="ja-JP" dirty="0"/>
+              <a:t>coverage run test_log.py</a:t>
+            </a:r>
+          </a:p>
+          <a:p>
+            <a:pPr marL="800100" lvl="1" indent="-342900">
+              <a:buFont typeface="+mj-lt"/>
+              <a:buAutoNum type="arabicPeriod"/>
+            </a:pPr>
+            <a:r>
+              <a:rPr kumimoji="1" lang="en-US" altLang="ja-JP" dirty="0"/>
+              <a:t>coverage html</a:t>
+            </a:r>
+          </a:p>
+          <a:p>
+            <a:pPr marL="342900" indent="-342900">
+              <a:buFont typeface="+mj-lt"/>
+              <a:buAutoNum type="arabicPeriod"/>
+            </a:pPr>
+            <a:r>
+              <a:rPr kumimoji="1" lang="en-US" altLang="ja-JP" dirty="0"/>
+              <a:t>TDD</a:t>
+            </a:r>
+          </a:p>
+          <a:p>
+            <a:pPr marL="800100" lvl="1" indent="-342900">
+              <a:buFont typeface="+mj-lt"/>
+              <a:buAutoNum type="arabicPeriod"/>
+            </a:pPr>
+            <a:r>
+              <a:rPr kumimoji="1" lang="en-US" altLang="ja-JP" dirty="0"/>
+              <a:t>Test Driven Development (Kent Back)</a:t>
+            </a:r>
+          </a:p>
+          <a:p>
+            <a:pPr marL="800100" lvl="1" indent="-342900">
+              <a:buFont typeface="+mj-lt"/>
+              <a:buAutoNum type="arabicPeriod"/>
+            </a:pPr>
+            <a:endParaRPr kumimoji="1" lang="ja-JP" altLang="en-US" dirty="0"/>
+          </a:p>
+        </p:txBody>
+      </p:sp>
+    </p:spTree>
+    <p:extLst>
+      <p:ext uri="{BB962C8B-B14F-4D97-AF65-F5344CB8AC3E}">
+        <p14:creationId xmlns:p14="http://schemas.microsoft.com/office/powerpoint/2010/main" val="2396009521"/>
       </p:ext>
     </p:extLst>
   </p:cSld>
